--- a/Supplementary Figure 7.pptx
+++ b/Supplementary Figure 7.pptx
@@ -4,8 +4,11 @@
   <p:sldMasterIdLst>
     <p:sldMasterId id="2147483648" r:id="rId1"/>
   </p:sldMasterIdLst>
+  <p:notesMasterIdLst>
+    <p:notesMasterId r:id="rId3"/>
+  </p:notesMasterIdLst>
   <p:sldIdLst>
-    <p:sldId id="323" r:id="rId2"/>
+    <p:sldId id="329" r:id="rId2"/>
   </p:sldIdLst>
   <p:sldSz cx="12192000" cy="6858000"/>
   <p:notesSz cx="6858000" cy="9144000"/>
@@ -107,6 +110,440 @@
 </p:presentation>
 </file>
 
+<file path=ppt/notesMasters/notesMaster1.xml><?xml version="1.0" encoding="utf-8"?>
+<p:notesMaster xmlns:a="http://schemas.openxmlformats.org/drawingml/2006/main" xmlns:r="http://schemas.openxmlformats.org/officeDocument/2006/relationships" xmlns:p="http://schemas.openxmlformats.org/presentationml/2006/main">
+  <p:cSld>
+    <p:bg>
+      <p:bgRef idx="1001">
+        <a:schemeClr val="bg1"/>
+      </p:bgRef>
+    </p:bg>
+    <p:spTree>
+      <p:nvGrpSpPr>
+        <p:cNvPr id="1" name=""/>
+        <p:cNvGrpSpPr/>
+        <p:nvPr/>
+      </p:nvGrpSpPr>
+      <p:grpSpPr>
+        <a:xfrm>
+          <a:off x="0" y="0"/>
+          <a:ext cx="0" cy="0"/>
+          <a:chOff x="0" y="0"/>
+          <a:chExt cx="0" cy="0"/>
+        </a:xfrm>
+      </p:grpSpPr>
+      <p:sp>
+        <p:nvSpPr>
+          <p:cNvPr id="2" name="Header Placeholder 1"/>
+          <p:cNvSpPr>
+            <a:spLocks noGrp="1"/>
+          </p:cNvSpPr>
+          <p:nvPr>
+            <p:ph type="hdr" sz="quarter"/>
+          </p:nvPr>
+        </p:nvSpPr>
+        <p:spPr>
+          <a:xfrm>
+            <a:off x="0" y="0"/>
+            <a:ext cx="2971800" cy="458788"/>
+          </a:xfrm>
+          <a:prstGeom prst="rect">
+            <a:avLst/>
+          </a:prstGeom>
+        </p:spPr>
+        <p:txBody>
+          <a:bodyPr vert="horz" lIns="91440" tIns="45720" rIns="91440" bIns="45720" rtlCol="0"/>
+          <a:lstStyle>
+            <a:lvl1pPr algn="l">
+              <a:defRPr sz="1200"/>
+            </a:lvl1pPr>
+          </a:lstStyle>
+          <a:p>
+            <a:endParaRPr lang="en-DE"/>
+          </a:p>
+        </p:txBody>
+      </p:sp>
+      <p:sp>
+        <p:nvSpPr>
+          <p:cNvPr id="3" name="Date Placeholder 2"/>
+          <p:cNvSpPr>
+            <a:spLocks noGrp="1"/>
+          </p:cNvSpPr>
+          <p:nvPr>
+            <p:ph type="dt" idx="1"/>
+          </p:nvPr>
+        </p:nvSpPr>
+        <p:spPr>
+          <a:xfrm>
+            <a:off x="3884613" y="0"/>
+            <a:ext cx="2971800" cy="458788"/>
+          </a:xfrm>
+          <a:prstGeom prst="rect">
+            <a:avLst/>
+          </a:prstGeom>
+        </p:spPr>
+        <p:txBody>
+          <a:bodyPr vert="horz" lIns="91440" tIns="45720" rIns="91440" bIns="45720" rtlCol="0"/>
+          <a:lstStyle>
+            <a:lvl1pPr algn="r">
+              <a:defRPr sz="1200"/>
+            </a:lvl1pPr>
+          </a:lstStyle>
+          <a:p>
+            <a:fld id="{5519D60D-448D-8643-9D94-039411CDD920}" type="datetimeFigureOut">
+              <a:rPr lang="en-DE" smtClean="0"/>
+              <a:t>15.05.25</a:t>
+            </a:fld>
+            <a:endParaRPr lang="en-DE"/>
+          </a:p>
+        </p:txBody>
+      </p:sp>
+      <p:sp>
+        <p:nvSpPr>
+          <p:cNvPr id="4" name="Slide Image Placeholder 3"/>
+          <p:cNvSpPr>
+            <a:spLocks noGrp="1" noRot="1" noChangeAspect="1"/>
+          </p:cNvSpPr>
+          <p:nvPr>
+            <p:ph type="sldImg" idx="2"/>
+          </p:nvPr>
+        </p:nvSpPr>
+        <p:spPr>
+          <a:xfrm>
+            <a:off x="685800" y="1143000"/>
+            <a:ext cx="5486400" cy="3086100"/>
+          </a:xfrm>
+          <a:prstGeom prst="rect">
+            <a:avLst/>
+          </a:prstGeom>
+          <a:noFill/>
+          <a:ln w="12700">
+            <a:solidFill>
+              <a:prstClr val="black"/>
+            </a:solidFill>
+          </a:ln>
+        </p:spPr>
+        <p:txBody>
+          <a:bodyPr vert="horz" lIns="91440" tIns="45720" rIns="91440" bIns="45720" rtlCol="0" anchor="ctr"/>
+          <a:lstStyle/>
+          <a:p>
+            <a:endParaRPr lang="en-DE"/>
+          </a:p>
+        </p:txBody>
+      </p:sp>
+      <p:sp>
+        <p:nvSpPr>
+          <p:cNvPr id="5" name="Notes Placeholder 4"/>
+          <p:cNvSpPr>
+            <a:spLocks noGrp="1"/>
+          </p:cNvSpPr>
+          <p:nvPr>
+            <p:ph type="body" sz="quarter" idx="3"/>
+          </p:nvPr>
+        </p:nvSpPr>
+        <p:spPr>
+          <a:xfrm>
+            <a:off x="685800" y="4400550"/>
+            <a:ext cx="5486400" cy="3600450"/>
+          </a:xfrm>
+          <a:prstGeom prst="rect">
+            <a:avLst/>
+          </a:prstGeom>
+        </p:spPr>
+        <p:txBody>
+          <a:bodyPr vert="horz" lIns="91440" tIns="45720" rIns="91440" bIns="45720" rtlCol="0"/>
+          <a:lstStyle/>
+          <a:p>
+            <a:pPr lvl="0"/>
+            <a:r>
+              <a:rPr lang="en-GB"/>
+              <a:t>Click to edit Master text styles</a:t>
+            </a:r>
+          </a:p>
+          <a:p>
+            <a:pPr lvl="1"/>
+            <a:r>
+              <a:rPr lang="en-GB"/>
+              <a:t>Second level</a:t>
+            </a:r>
+          </a:p>
+          <a:p>
+            <a:pPr lvl="2"/>
+            <a:r>
+              <a:rPr lang="en-GB"/>
+              <a:t>Third level</a:t>
+            </a:r>
+          </a:p>
+          <a:p>
+            <a:pPr lvl="3"/>
+            <a:r>
+              <a:rPr lang="en-GB"/>
+              <a:t>Fourth level</a:t>
+            </a:r>
+          </a:p>
+          <a:p>
+            <a:pPr lvl="4"/>
+            <a:r>
+              <a:rPr lang="en-GB"/>
+              <a:t>Fifth level</a:t>
+            </a:r>
+            <a:endParaRPr lang="en-DE"/>
+          </a:p>
+        </p:txBody>
+      </p:sp>
+      <p:sp>
+        <p:nvSpPr>
+          <p:cNvPr id="6" name="Footer Placeholder 5"/>
+          <p:cNvSpPr>
+            <a:spLocks noGrp="1"/>
+          </p:cNvSpPr>
+          <p:nvPr>
+            <p:ph type="ftr" sz="quarter" idx="4"/>
+          </p:nvPr>
+        </p:nvSpPr>
+        <p:spPr>
+          <a:xfrm>
+            <a:off x="0" y="8685213"/>
+            <a:ext cx="2971800" cy="458787"/>
+          </a:xfrm>
+          <a:prstGeom prst="rect">
+            <a:avLst/>
+          </a:prstGeom>
+        </p:spPr>
+        <p:txBody>
+          <a:bodyPr vert="horz" lIns="91440" tIns="45720" rIns="91440" bIns="45720" rtlCol="0" anchor="b"/>
+          <a:lstStyle>
+            <a:lvl1pPr algn="l">
+              <a:defRPr sz="1200"/>
+            </a:lvl1pPr>
+          </a:lstStyle>
+          <a:p>
+            <a:endParaRPr lang="en-DE"/>
+          </a:p>
+        </p:txBody>
+      </p:sp>
+      <p:sp>
+        <p:nvSpPr>
+          <p:cNvPr id="7" name="Slide Number Placeholder 6"/>
+          <p:cNvSpPr>
+            <a:spLocks noGrp="1"/>
+          </p:cNvSpPr>
+          <p:nvPr>
+            <p:ph type="sldNum" sz="quarter" idx="5"/>
+          </p:nvPr>
+        </p:nvSpPr>
+        <p:spPr>
+          <a:xfrm>
+            <a:off x="3884613" y="8685213"/>
+            <a:ext cx="2971800" cy="458787"/>
+          </a:xfrm>
+          <a:prstGeom prst="rect">
+            <a:avLst/>
+          </a:prstGeom>
+        </p:spPr>
+        <p:txBody>
+          <a:bodyPr vert="horz" lIns="91440" tIns="45720" rIns="91440" bIns="45720" rtlCol="0" anchor="b"/>
+          <a:lstStyle>
+            <a:lvl1pPr algn="r">
+              <a:defRPr sz="1200"/>
+            </a:lvl1pPr>
+          </a:lstStyle>
+          <a:p>
+            <a:fld id="{3C5D7864-EB55-1F44-8021-72CFB47D3111}" type="slidenum">
+              <a:rPr lang="en-DE" smtClean="0"/>
+              <a:t>‹#›</a:t>
+            </a:fld>
+            <a:endParaRPr lang="en-DE"/>
+          </a:p>
+        </p:txBody>
+      </p:sp>
+    </p:spTree>
+    <p:extLst>
+      <p:ext uri="{BB962C8B-B14F-4D97-AF65-F5344CB8AC3E}">
+        <p14:creationId xmlns:p14="http://schemas.microsoft.com/office/powerpoint/2010/main" val="3897505693"/>
+      </p:ext>
+    </p:extLst>
+  </p:cSld>
+  <p:clrMap bg1="lt1" tx1="dk1" bg2="lt2" tx2="dk2" accent1="accent1" accent2="accent2" accent3="accent3" accent4="accent4" accent5="accent5" accent6="accent6" hlink="hlink" folHlink="folHlink"/>
+  <p:notesStyle>
+    <a:lvl1pPr marL="0" algn="l" defTabSz="914400" rtl="0" eaLnBrk="1" latinLnBrk="0" hangingPunct="1">
+      <a:defRPr sz="1200" kern="1200">
+        <a:solidFill>
+          <a:schemeClr val="tx1"/>
+        </a:solidFill>
+        <a:latin typeface="+mn-lt"/>
+        <a:ea typeface="+mn-ea"/>
+        <a:cs typeface="+mn-cs"/>
+      </a:defRPr>
+    </a:lvl1pPr>
+    <a:lvl2pPr marL="457200" algn="l" defTabSz="914400" rtl="0" eaLnBrk="1" latinLnBrk="0" hangingPunct="1">
+      <a:defRPr sz="1200" kern="1200">
+        <a:solidFill>
+          <a:schemeClr val="tx1"/>
+        </a:solidFill>
+        <a:latin typeface="+mn-lt"/>
+        <a:ea typeface="+mn-ea"/>
+        <a:cs typeface="+mn-cs"/>
+      </a:defRPr>
+    </a:lvl2pPr>
+    <a:lvl3pPr marL="914400" algn="l" defTabSz="914400" rtl="0" eaLnBrk="1" latinLnBrk="0" hangingPunct="1">
+      <a:defRPr sz="1200" kern="1200">
+        <a:solidFill>
+          <a:schemeClr val="tx1"/>
+        </a:solidFill>
+        <a:latin typeface="+mn-lt"/>
+        <a:ea typeface="+mn-ea"/>
+        <a:cs typeface="+mn-cs"/>
+      </a:defRPr>
+    </a:lvl3pPr>
+    <a:lvl4pPr marL="1371600" algn="l" defTabSz="914400" rtl="0" eaLnBrk="1" latinLnBrk="0" hangingPunct="1">
+      <a:defRPr sz="1200" kern="1200">
+        <a:solidFill>
+          <a:schemeClr val="tx1"/>
+        </a:solidFill>
+        <a:latin typeface="+mn-lt"/>
+        <a:ea typeface="+mn-ea"/>
+        <a:cs typeface="+mn-cs"/>
+      </a:defRPr>
+    </a:lvl4pPr>
+    <a:lvl5pPr marL="1828800" algn="l" defTabSz="914400" rtl="0" eaLnBrk="1" latinLnBrk="0" hangingPunct="1">
+      <a:defRPr sz="1200" kern="1200">
+        <a:solidFill>
+          <a:schemeClr val="tx1"/>
+        </a:solidFill>
+        <a:latin typeface="+mn-lt"/>
+        <a:ea typeface="+mn-ea"/>
+        <a:cs typeface="+mn-cs"/>
+      </a:defRPr>
+    </a:lvl5pPr>
+    <a:lvl6pPr marL="2286000" algn="l" defTabSz="914400" rtl="0" eaLnBrk="1" latinLnBrk="0" hangingPunct="1">
+      <a:defRPr sz="1200" kern="1200">
+        <a:solidFill>
+          <a:schemeClr val="tx1"/>
+        </a:solidFill>
+        <a:latin typeface="+mn-lt"/>
+        <a:ea typeface="+mn-ea"/>
+        <a:cs typeface="+mn-cs"/>
+      </a:defRPr>
+    </a:lvl6pPr>
+    <a:lvl7pPr marL="2743200" algn="l" defTabSz="914400" rtl="0" eaLnBrk="1" latinLnBrk="0" hangingPunct="1">
+      <a:defRPr sz="1200" kern="1200">
+        <a:solidFill>
+          <a:schemeClr val="tx1"/>
+        </a:solidFill>
+        <a:latin typeface="+mn-lt"/>
+        <a:ea typeface="+mn-ea"/>
+        <a:cs typeface="+mn-cs"/>
+      </a:defRPr>
+    </a:lvl7pPr>
+    <a:lvl8pPr marL="3200400" algn="l" defTabSz="914400" rtl="0" eaLnBrk="1" latinLnBrk="0" hangingPunct="1">
+      <a:defRPr sz="1200" kern="1200">
+        <a:solidFill>
+          <a:schemeClr val="tx1"/>
+        </a:solidFill>
+        <a:latin typeface="+mn-lt"/>
+        <a:ea typeface="+mn-ea"/>
+        <a:cs typeface="+mn-cs"/>
+      </a:defRPr>
+    </a:lvl8pPr>
+    <a:lvl9pPr marL="3657600" algn="l" defTabSz="914400" rtl="0" eaLnBrk="1" latinLnBrk="0" hangingPunct="1">
+      <a:defRPr sz="1200" kern="1200">
+        <a:solidFill>
+          <a:schemeClr val="tx1"/>
+        </a:solidFill>
+        <a:latin typeface="+mn-lt"/>
+        <a:ea typeface="+mn-ea"/>
+        <a:cs typeface="+mn-cs"/>
+      </a:defRPr>
+    </a:lvl9pPr>
+  </p:notesStyle>
+</p:notesMaster>
+</file>
+
+<file path=ppt/notesSlides/notesSlide1.xml><?xml version="1.0" encoding="utf-8"?>
+<p:notes xmlns:a="http://schemas.openxmlformats.org/drawingml/2006/main" xmlns:r="http://schemas.openxmlformats.org/officeDocument/2006/relationships" xmlns:p="http://schemas.openxmlformats.org/presentationml/2006/main">
+  <p:cSld>
+    <p:spTree>
+      <p:nvGrpSpPr>
+        <p:cNvPr id="1" name=""/>
+        <p:cNvGrpSpPr/>
+        <p:nvPr/>
+      </p:nvGrpSpPr>
+      <p:grpSpPr>
+        <a:xfrm>
+          <a:off x="0" y="0"/>
+          <a:ext cx="0" cy="0"/>
+          <a:chOff x="0" y="0"/>
+          <a:chExt cx="0" cy="0"/>
+        </a:xfrm>
+      </p:grpSpPr>
+      <p:sp>
+        <p:nvSpPr>
+          <p:cNvPr id="2" name="Slide Image Placeholder 1"/>
+          <p:cNvSpPr>
+            <a:spLocks noGrp="1" noRot="1" noChangeAspect="1"/>
+          </p:cNvSpPr>
+          <p:nvPr>
+            <p:ph type="sldImg"/>
+          </p:nvPr>
+        </p:nvSpPr>
+        <p:spPr/>
+      </p:sp>
+      <p:sp>
+        <p:nvSpPr>
+          <p:cNvPr id="3" name="Notes Placeholder 2"/>
+          <p:cNvSpPr>
+            <a:spLocks noGrp="1"/>
+          </p:cNvSpPr>
+          <p:nvPr>
+            <p:ph type="body" idx="1"/>
+          </p:nvPr>
+        </p:nvSpPr>
+        <p:spPr/>
+        <p:txBody>
+          <a:bodyPr/>
+          <a:lstStyle/>
+          <a:p>
+            <a:endParaRPr lang="en-DE" dirty="0"/>
+          </a:p>
+        </p:txBody>
+      </p:sp>
+      <p:sp>
+        <p:nvSpPr>
+          <p:cNvPr id="4" name="Slide Number Placeholder 3"/>
+          <p:cNvSpPr>
+            <a:spLocks noGrp="1"/>
+          </p:cNvSpPr>
+          <p:nvPr>
+            <p:ph type="sldNum" sz="quarter" idx="5"/>
+          </p:nvPr>
+        </p:nvSpPr>
+        <p:spPr/>
+        <p:txBody>
+          <a:bodyPr/>
+          <a:lstStyle/>
+          <a:p>
+            <a:fld id="{F7666FBB-F764-8241-A1F2-37B711016CBE}" type="slidenum">
+              <a:rPr lang="en-DE" smtClean="0"/>
+              <a:t>1</a:t>
+            </a:fld>
+            <a:endParaRPr lang="en-DE"/>
+          </a:p>
+        </p:txBody>
+      </p:sp>
+    </p:spTree>
+    <p:extLst>
+      <p:ext uri="{BB962C8B-B14F-4D97-AF65-F5344CB8AC3E}">
+        <p14:creationId xmlns:p14="http://schemas.microsoft.com/office/powerpoint/2010/main" val="3892080468"/>
+      </p:ext>
+    </p:extLst>
+  </p:cSld>
+  <p:clrMapOvr>
+    <a:masterClrMapping/>
+  </p:clrMapOvr>
+</p:notes>
+</file>
+
 <file path=ppt/slideLayouts/slideLayout1.xml><?xml version="1.0" encoding="utf-8"?>
 <p:sldLayout xmlns:a="http://schemas.openxmlformats.org/drawingml/2006/main" xmlns:r="http://schemas.openxmlformats.org/officeDocument/2006/relationships" xmlns:p="http://schemas.openxmlformats.org/presentationml/2006/main" type="title" preserve="1">
   <p:cSld name="Title Slide">
@@ -129,7 +566,7 @@
           <p:cNvPr id="2" name="Title 1">
             <a:extLst>
               <a:ext uri="{FF2B5EF4-FFF2-40B4-BE49-F238E27FC236}">
-                <a16:creationId xmlns:a16="http://schemas.microsoft.com/office/drawing/2014/main" id="{8E8DAF63-AD42-9389-2798-4F2AD48891E7}"/>
+                <a16:creationId xmlns:a16="http://schemas.microsoft.com/office/drawing/2014/main" id="{19C47E0C-001D-3474-5CD3-3BEC1CE6DFB0}"/>
               </a:ext>
             </a:extLst>
           </p:cNvPr>
@@ -167,7 +604,7 @@
           <p:cNvPr id="3" name="Subtitle 2">
             <a:extLst>
               <a:ext uri="{FF2B5EF4-FFF2-40B4-BE49-F238E27FC236}">
-                <a16:creationId xmlns:a16="http://schemas.microsoft.com/office/drawing/2014/main" id="{57BB2BE3-AF7D-B939-1C54-E54067585D8A}"/>
+                <a16:creationId xmlns:a16="http://schemas.microsoft.com/office/drawing/2014/main" id="{CDA1181D-9E41-7E7B-EB11-75C0A7F0F670}"/>
               </a:ext>
             </a:extLst>
           </p:cNvPr>
@@ -238,7 +675,7 @@
           <p:cNvPr id="4" name="Date Placeholder 3">
             <a:extLst>
               <a:ext uri="{FF2B5EF4-FFF2-40B4-BE49-F238E27FC236}">
-                <a16:creationId xmlns:a16="http://schemas.microsoft.com/office/drawing/2014/main" id="{A09A571A-BD8B-FE70-601B-1663F5B5C97B}"/>
+                <a16:creationId xmlns:a16="http://schemas.microsoft.com/office/drawing/2014/main" id="{B7147CB0-1EDC-A564-E1F8-0B40089524B3}"/>
               </a:ext>
             </a:extLst>
           </p:cNvPr>
@@ -254,9 +691,9 @@
           <a:bodyPr/>
           <a:lstStyle/>
           <a:p>
-            <a:fld id="{DAC651ED-C691-B749-B5A3-3A370CAE0DB1}" type="datetimeFigureOut">
+            <a:fld id="{B6AFAD21-3DAC-7440-9462-EA831FA20C6B}" type="datetimeFigureOut">
               <a:rPr lang="en-DE" smtClean="0"/>
-              <a:t>14.05.25</a:t>
+              <a:t>15.05.25</a:t>
             </a:fld>
             <a:endParaRPr lang="en-DE"/>
           </a:p>
@@ -267,7 +704,7 @@
           <p:cNvPr id="5" name="Footer Placeholder 4">
             <a:extLst>
               <a:ext uri="{FF2B5EF4-FFF2-40B4-BE49-F238E27FC236}">
-                <a16:creationId xmlns:a16="http://schemas.microsoft.com/office/drawing/2014/main" id="{9A28FBB5-A628-8DB1-3441-586ED88B5D2C}"/>
+                <a16:creationId xmlns:a16="http://schemas.microsoft.com/office/drawing/2014/main" id="{8456028E-7952-8B8E-F3A2-7BD6BF07DA2F}"/>
               </a:ext>
             </a:extLst>
           </p:cNvPr>
@@ -292,7 +729,7 @@
           <p:cNvPr id="6" name="Slide Number Placeholder 5">
             <a:extLst>
               <a:ext uri="{FF2B5EF4-FFF2-40B4-BE49-F238E27FC236}">
-                <a16:creationId xmlns:a16="http://schemas.microsoft.com/office/drawing/2014/main" id="{6571B147-06AC-0D2B-4D95-DBD2ED3C5A86}"/>
+                <a16:creationId xmlns:a16="http://schemas.microsoft.com/office/drawing/2014/main" id="{18506499-CE07-AAAF-A19F-BA7E91608DD7}"/>
               </a:ext>
             </a:extLst>
           </p:cNvPr>
@@ -308,7 +745,7 @@
           <a:bodyPr/>
           <a:lstStyle/>
           <a:p>
-            <a:fld id="{8CF4FC77-B31D-DF45-B398-F0AB3D6FE8D6}" type="slidenum">
+            <a:fld id="{C888A736-C7E9-F64D-B844-ECECA302DE6C}" type="slidenum">
               <a:rPr lang="en-DE" smtClean="0"/>
               <a:t>‹#›</a:t>
             </a:fld>
@@ -319,7 +756,7 @@
     </p:spTree>
     <p:extLst>
       <p:ext uri="{BB962C8B-B14F-4D97-AF65-F5344CB8AC3E}">
-        <p14:creationId xmlns:p14="http://schemas.microsoft.com/office/powerpoint/2010/main" val="2747421367"/>
+        <p14:creationId xmlns:p14="http://schemas.microsoft.com/office/powerpoint/2010/main" val="1226831690"/>
       </p:ext>
     </p:extLst>
   </p:cSld>
@@ -351,7 +788,7 @@
           <p:cNvPr id="2" name="Title 1">
             <a:extLst>
               <a:ext uri="{FF2B5EF4-FFF2-40B4-BE49-F238E27FC236}">
-                <a16:creationId xmlns:a16="http://schemas.microsoft.com/office/drawing/2014/main" id="{D396B117-DF1A-D05D-24F9-418E80447C4E}"/>
+                <a16:creationId xmlns:a16="http://schemas.microsoft.com/office/drawing/2014/main" id="{3EA94DD8-C403-F0C3-8B24-4C65AF43FF85}"/>
               </a:ext>
             </a:extLst>
           </p:cNvPr>
@@ -380,7 +817,7 @@
           <p:cNvPr id="3" name="Vertical Text Placeholder 2">
             <a:extLst>
               <a:ext uri="{FF2B5EF4-FFF2-40B4-BE49-F238E27FC236}">
-                <a16:creationId xmlns:a16="http://schemas.microsoft.com/office/drawing/2014/main" id="{FDA87F31-2848-A697-E8FA-9946131AF5BF}"/>
+                <a16:creationId xmlns:a16="http://schemas.microsoft.com/office/drawing/2014/main" id="{B600C0E6-9894-C475-1F69-97560DFAD381}"/>
               </a:ext>
             </a:extLst>
           </p:cNvPr>
@@ -438,7 +875,7 @@
           <p:cNvPr id="4" name="Date Placeholder 3">
             <a:extLst>
               <a:ext uri="{FF2B5EF4-FFF2-40B4-BE49-F238E27FC236}">
-                <a16:creationId xmlns:a16="http://schemas.microsoft.com/office/drawing/2014/main" id="{2962DF29-1E89-117B-F558-8F2BB782235F}"/>
+                <a16:creationId xmlns:a16="http://schemas.microsoft.com/office/drawing/2014/main" id="{6D64A3B9-C6C8-993E-283D-DD2F455075DF}"/>
               </a:ext>
             </a:extLst>
           </p:cNvPr>
@@ -454,9 +891,9 @@
           <a:bodyPr/>
           <a:lstStyle/>
           <a:p>
-            <a:fld id="{DAC651ED-C691-B749-B5A3-3A370CAE0DB1}" type="datetimeFigureOut">
+            <a:fld id="{B6AFAD21-3DAC-7440-9462-EA831FA20C6B}" type="datetimeFigureOut">
               <a:rPr lang="en-DE" smtClean="0"/>
-              <a:t>14.05.25</a:t>
+              <a:t>15.05.25</a:t>
             </a:fld>
             <a:endParaRPr lang="en-DE"/>
           </a:p>
@@ -467,7 +904,7 @@
           <p:cNvPr id="5" name="Footer Placeholder 4">
             <a:extLst>
               <a:ext uri="{FF2B5EF4-FFF2-40B4-BE49-F238E27FC236}">
-                <a16:creationId xmlns:a16="http://schemas.microsoft.com/office/drawing/2014/main" id="{64A2B5A5-FC9E-78C4-43B7-70A5811F24F3}"/>
+                <a16:creationId xmlns:a16="http://schemas.microsoft.com/office/drawing/2014/main" id="{1081A882-5844-212A-A140-A7B2F5E36FBF}"/>
               </a:ext>
             </a:extLst>
           </p:cNvPr>
@@ -492,7 +929,7 @@
           <p:cNvPr id="6" name="Slide Number Placeholder 5">
             <a:extLst>
               <a:ext uri="{FF2B5EF4-FFF2-40B4-BE49-F238E27FC236}">
-                <a16:creationId xmlns:a16="http://schemas.microsoft.com/office/drawing/2014/main" id="{E91E780B-21EB-3DB8-87B2-B887F550277D}"/>
+                <a16:creationId xmlns:a16="http://schemas.microsoft.com/office/drawing/2014/main" id="{90633424-9BB0-3975-B84E-B4CF7738DB84}"/>
               </a:ext>
             </a:extLst>
           </p:cNvPr>
@@ -508,7 +945,7 @@
           <a:bodyPr/>
           <a:lstStyle/>
           <a:p>
-            <a:fld id="{8CF4FC77-B31D-DF45-B398-F0AB3D6FE8D6}" type="slidenum">
+            <a:fld id="{C888A736-C7E9-F64D-B844-ECECA302DE6C}" type="slidenum">
               <a:rPr lang="en-DE" smtClean="0"/>
               <a:t>‹#›</a:t>
             </a:fld>
@@ -519,7 +956,7 @@
     </p:spTree>
     <p:extLst>
       <p:ext uri="{BB962C8B-B14F-4D97-AF65-F5344CB8AC3E}">
-        <p14:creationId xmlns:p14="http://schemas.microsoft.com/office/powerpoint/2010/main" val="1924483457"/>
+        <p14:creationId xmlns:p14="http://schemas.microsoft.com/office/powerpoint/2010/main" val="2683999426"/>
       </p:ext>
     </p:extLst>
   </p:cSld>
@@ -551,7 +988,7 @@
           <p:cNvPr id="2" name="Vertical Title 1">
             <a:extLst>
               <a:ext uri="{FF2B5EF4-FFF2-40B4-BE49-F238E27FC236}">
-                <a16:creationId xmlns:a16="http://schemas.microsoft.com/office/drawing/2014/main" id="{27579254-DE79-57FC-7FB0-A520ECBEFE88}"/>
+                <a16:creationId xmlns:a16="http://schemas.microsoft.com/office/drawing/2014/main" id="{53336A9A-21CB-C9FA-EEB2-CFD939E8B358}"/>
               </a:ext>
             </a:extLst>
           </p:cNvPr>
@@ -585,7 +1022,7 @@
           <p:cNvPr id="3" name="Vertical Text Placeholder 2">
             <a:extLst>
               <a:ext uri="{FF2B5EF4-FFF2-40B4-BE49-F238E27FC236}">
-                <a16:creationId xmlns:a16="http://schemas.microsoft.com/office/drawing/2014/main" id="{542A99D8-7F6B-A401-B012-F8A72A17E391}"/>
+                <a16:creationId xmlns:a16="http://schemas.microsoft.com/office/drawing/2014/main" id="{CB01D55D-0F60-074E-68F3-23A8726BDFE4}"/>
               </a:ext>
             </a:extLst>
           </p:cNvPr>
@@ -648,7 +1085,7 @@
           <p:cNvPr id="4" name="Date Placeholder 3">
             <a:extLst>
               <a:ext uri="{FF2B5EF4-FFF2-40B4-BE49-F238E27FC236}">
-                <a16:creationId xmlns:a16="http://schemas.microsoft.com/office/drawing/2014/main" id="{01F9D164-29E7-5DFA-9C07-61C4BB9A9CCE}"/>
+                <a16:creationId xmlns:a16="http://schemas.microsoft.com/office/drawing/2014/main" id="{30935433-E988-3B51-1F2E-A80E407F0F55}"/>
               </a:ext>
             </a:extLst>
           </p:cNvPr>
@@ -664,9 +1101,9 @@
           <a:bodyPr/>
           <a:lstStyle/>
           <a:p>
-            <a:fld id="{DAC651ED-C691-B749-B5A3-3A370CAE0DB1}" type="datetimeFigureOut">
+            <a:fld id="{B6AFAD21-3DAC-7440-9462-EA831FA20C6B}" type="datetimeFigureOut">
               <a:rPr lang="en-DE" smtClean="0"/>
-              <a:t>14.05.25</a:t>
+              <a:t>15.05.25</a:t>
             </a:fld>
             <a:endParaRPr lang="en-DE"/>
           </a:p>
@@ -677,7 +1114,7 @@
           <p:cNvPr id="5" name="Footer Placeholder 4">
             <a:extLst>
               <a:ext uri="{FF2B5EF4-FFF2-40B4-BE49-F238E27FC236}">
-                <a16:creationId xmlns:a16="http://schemas.microsoft.com/office/drawing/2014/main" id="{D852CF0A-79F6-CCCC-EFB1-8CD138D63AE7}"/>
+                <a16:creationId xmlns:a16="http://schemas.microsoft.com/office/drawing/2014/main" id="{CDBD1C59-FC97-803B-4998-0B470AFA5C64}"/>
               </a:ext>
             </a:extLst>
           </p:cNvPr>
@@ -702,7 +1139,7 @@
           <p:cNvPr id="6" name="Slide Number Placeholder 5">
             <a:extLst>
               <a:ext uri="{FF2B5EF4-FFF2-40B4-BE49-F238E27FC236}">
-                <a16:creationId xmlns:a16="http://schemas.microsoft.com/office/drawing/2014/main" id="{FFDF32DF-3DEE-6D50-384A-8DD6F4E695C8}"/>
+                <a16:creationId xmlns:a16="http://schemas.microsoft.com/office/drawing/2014/main" id="{5854AB54-66A8-7066-C7C7-ED7AD5EA3FDC}"/>
               </a:ext>
             </a:extLst>
           </p:cNvPr>
@@ -718,7 +1155,7 @@
           <a:bodyPr/>
           <a:lstStyle/>
           <a:p>
-            <a:fld id="{8CF4FC77-B31D-DF45-B398-F0AB3D6FE8D6}" type="slidenum">
+            <a:fld id="{C888A736-C7E9-F64D-B844-ECECA302DE6C}" type="slidenum">
               <a:rPr lang="en-DE" smtClean="0"/>
               <a:t>‹#›</a:t>
             </a:fld>
@@ -729,7 +1166,7 @@
     </p:spTree>
     <p:extLst>
       <p:ext uri="{BB962C8B-B14F-4D97-AF65-F5344CB8AC3E}">
-        <p14:creationId xmlns:p14="http://schemas.microsoft.com/office/powerpoint/2010/main" val="3392215650"/>
+        <p14:creationId xmlns:p14="http://schemas.microsoft.com/office/powerpoint/2010/main" val="3758089640"/>
       </p:ext>
     </p:extLst>
   </p:cSld>
@@ -761,7 +1198,7 @@
           <p:cNvPr id="2" name="Title 1">
             <a:extLst>
               <a:ext uri="{FF2B5EF4-FFF2-40B4-BE49-F238E27FC236}">
-                <a16:creationId xmlns:a16="http://schemas.microsoft.com/office/drawing/2014/main" id="{F27F94BD-81F9-F55D-F88A-1429D7A1E1F3}"/>
+                <a16:creationId xmlns:a16="http://schemas.microsoft.com/office/drawing/2014/main" id="{385716A5-205E-4F53-6A9E-31EB2874AF57}"/>
               </a:ext>
             </a:extLst>
           </p:cNvPr>
@@ -790,7 +1227,7 @@
           <p:cNvPr id="3" name="Content Placeholder 2">
             <a:extLst>
               <a:ext uri="{FF2B5EF4-FFF2-40B4-BE49-F238E27FC236}">
-                <a16:creationId xmlns:a16="http://schemas.microsoft.com/office/drawing/2014/main" id="{515BBBCF-7AE9-DE28-60F4-73734B8BB2AF}"/>
+                <a16:creationId xmlns:a16="http://schemas.microsoft.com/office/drawing/2014/main" id="{1F21D405-B66A-12A8-323E-452041C4BEC1}"/>
               </a:ext>
             </a:extLst>
           </p:cNvPr>
@@ -848,7 +1285,7 @@
           <p:cNvPr id="4" name="Date Placeholder 3">
             <a:extLst>
               <a:ext uri="{FF2B5EF4-FFF2-40B4-BE49-F238E27FC236}">
-                <a16:creationId xmlns:a16="http://schemas.microsoft.com/office/drawing/2014/main" id="{4C4E993E-B716-E9F2-5857-961B3DD7A936}"/>
+                <a16:creationId xmlns:a16="http://schemas.microsoft.com/office/drawing/2014/main" id="{7C8C9663-BC82-B447-C395-39DD7FF109C3}"/>
               </a:ext>
             </a:extLst>
           </p:cNvPr>
@@ -864,9 +1301,9 @@
           <a:bodyPr/>
           <a:lstStyle/>
           <a:p>
-            <a:fld id="{DAC651ED-C691-B749-B5A3-3A370CAE0DB1}" type="datetimeFigureOut">
+            <a:fld id="{B6AFAD21-3DAC-7440-9462-EA831FA20C6B}" type="datetimeFigureOut">
               <a:rPr lang="en-DE" smtClean="0"/>
-              <a:t>14.05.25</a:t>
+              <a:t>15.05.25</a:t>
             </a:fld>
             <a:endParaRPr lang="en-DE"/>
           </a:p>
@@ -877,7 +1314,7 @@
           <p:cNvPr id="5" name="Footer Placeholder 4">
             <a:extLst>
               <a:ext uri="{FF2B5EF4-FFF2-40B4-BE49-F238E27FC236}">
-                <a16:creationId xmlns:a16="http://schemas.microsoft.com/office/drawing/2014/main" id="{861C2079-54F0-3F2E-A560-4F499E379566}"/>
+                <a16:creationId xmlns:a16="http://schemas.microsoft.com/office/drawing/2014/main" id="{6766C560-6BDB-0155-31BB-CA55CB618D9B}"/>
               </a:ext>
             </a:extLst>
           </p:cNvPr>
@@ -902,7 +1339,7 @@
           <p:cNvPr id="6" name="Slide Number Placeholder 5">
             <a:extLst>
               <a:ext uri="{FF2B5EF4-FFF2-40B4-BE49-F238E27FC236}">
-                <a16:creationId xmlns:a16="http://schemas.microsoft.com/office/drawing/2014/main" id="{69677B8E-7148-CE4D-BC8C-89B3EE0DD1E0}"/>
+                <a16:creationId xmlns:a16="http://schemas.microsoft.com/office/drawing/2014/main" id="{21A71F19-4FB7-BE0B-A017-94FD08D47335}"/>
               </a:ext>
             </a:extLst>
           </p:cNvPr>
@@ -918,7 +1355,7 @@
           <a:bodyPr/>
           <a:lstStyle/>
           <a:p>
-            <a:fld id="{8CF4FC77-B31D-DF45-B398-F0AB3D6FE8D6}" type="slidenum">
+            <a:fld id="{C888A736-C7E9-F64D-B844-ECECA302DE6C}" type="slidenum">
               <a:rPr lang="en-DE" smtClean="0"/>
               <a:t>‹#›</a:t>
             </a:fld>
@@ -929,7 +1366,7 @@
     </p:spTree>
     <p:extLst>
       <p:ext uri="{BB962C8B-B14F-4D97-AF65-F5344CB8AC3E}">
-        <p14:creationId xmlns:p14="http://schemas.microsoft.com/office/powerpoint/2010/main" val="206272568"/>
+        <p14:creationId xmlns:p14="http://schemas.microsoft.com/office/powerpoint/2010/main" val="1013569292"/>
       </p:ext>
     </p:extLst>
   </p:cSld>
@@ -961,7 +1398,7 @@
           <p:cNvPr id="2" name="Title 1">
             <a:extLst>
               <a:ext uri="{FF2B5EF4-FFF2-40B4-BE49-F238E27FC236}">
-                <a16:creationId xmlns:a16="http://schemas.microsoft.com/office/drawing/2014/main" id="{EE5DC9B3-62C8-A29D-5C93-6ECB98D87192}"/>
+                <a16:creationId xmlns:a16="http://schemas.microsoft.com/office/drawing/2014/main" id="{8751B36B-680D-7111-9548-0A034CCA02D4}"/>
               </a:ext>
             </a:extLst>
           </p:cNvPr>
@@ -999,7 +1436,7 @@
           <p:cNvPr id="3" name="Text Placeholder 2">
             <a:extLst>
               <a:ext uri="{FF2B5EF4-FFF2-40B4-BE49-F238E27FC236}">
-                <a16:creationId xmlns:a16="http://schemas.microsoft.com/office/drawing/2014/main" id="{4A139D08-257D-3F55-E231-9CA46E7E4912}"/>
+                <a16:creationId xmlns:a16="http://schemas.microsoft.com/office/drawing/2014/main" id="{DBC4720C-D367-657F-3788-C2D3DE6008A9}"/>
               </a:ext>
             </a:extLst>
           </p:cNvPr>
@@ -1124,7 +1561,7 @@
           <p:cNvPr id="4" name="Date Placeholder 3">
             <a:extLst>
               <a:ext uri="{FF2B5EF4-FFF2-40B4-BE49-F238E27FC236}">
-                <a16:creationId xmlns:a16="http://schemas.microsoft.com/office/drawing/2014/main" id="{0304084B-29EB-FCA2-3BE3-A36FB1B4DCAC}"/>
+                <a16:creationId xmlns:a16="http://schemas.microsoft.com/office/drawing/2014/main" id="{ED362C1B-A017-E26C-F1E8-A12FE95C6AE1}"/>
               </a:ext>
             </a:extLst>
           </p:cNvPr>
@@ -1140,9 +1577,9 @@
           <a:bodyPr/>
           <a:lstStyle/>
           <a:p>
-            <a:fld id="{DAC651ED-C691-B749-B5A3-3A370CAE0DB1}" type="datetimeFigureOut">
+            <a:fld id="{B6AFAD21-3DAC-7440-9462-EA831FA20C6B}" type="datetimeFigureOut">
               <a:rPr lang="en-DE" smtClean="0"/>
-              <a:t>14.05.25</a:t>
+              <a:t>15.05.25</a:t>
             </a:fld>
             <a:endParaRPr lang="en-DE"/>
           </a:p>
@@ -1153,7 +1590,7 @@
           <p:cNvPr id="5" name="Footer Placeholder 4">
             <a:extLst>
               <a:ext uri="{FF2B5EF4-FFF2-40B4-BE49-F238E27FC236}">
-                <a16:creationId xmlns:a16="http://schemas.microsoft.com/office/drawing/2014/main" id="{F6A4CF30-0EAB-7F1C-0925-1DDD103EF21F}"/>
+                <a16:creationId xmlns:a16="http://schemas.microsoft.com/office/drawing/2014/main" id="{BFC112F4-0815-9043-24B6-BA74F52C05AE}"/>
               </a:ext>
             </a:extLst>
           </p:cNvPr>
@@ -1178,7 +1615,7 @@
           <p:cNvPr id="6" name="Slide Number Placeholder 5">
             <a:extLst>
               <a:ext uri="{FF2B5EF4-FFF2-40B4-BE49-F238E27FC236}">
-                <a16:creationId xmlns:a16="http://schemas.microsoft.com/office/drawing/2014/main" id="{347F1798-7832-B538-03E2-6C9916B561AD}"/>
+                <a16:creationId xmlns:a16="http://schemas.microsoft.com/office/drawing/2014/main" id="{0681E336-3E38-9A67-DE6F-C48AD4C98FE6}"/>
               </a:ext>
             </a:extLst>
           </p:cNvPr>
@@ -1194,7 +1631,7 @@
           <a:bodyPr/>
           <a:lstStyle/>
           <a:p>
-            <a:fld id="{8CF4FC77-B31D-DF45-B398-F0AB3D6FE8D6}" type="slidenum">
+            <a:fld id="{C888A736-C7E9-F64D-B844-ECECA302DE6C}" type="slidenum">
               <a:rPr lang="en-DE" smtClean="0"/>
               <a:t>‹#›</a:t>
             </a:fld>
@@ -1205,7 +1642,7 @@
     </p:spTree>
     <p:extLst>
       <p:ext uri="{BB962C8B-B14F-4D97-AF65-F5344CB8AC3E}">
-        <p14:creationId xmlns:p14="http://schemas.microsoft.com/office/powerpoint/2010/main" val="3970749660"/>
+        <p14:creationId xmlns:p14="http://schemas.microsoft.com/office/powerpoint/2010/main" val="1271612500"/>
       </p:ext>
     </p:extLst>
   </p:cSld>
@@ -1237,7 +1674,7 @@
           <p:cNvPr id="2" name="Title 1">
             <a:extLst>
               <a:ext uri="{FF2B5EF4-FFF2-40B4-BE49-F238E27FC236}">
-                <a16:creationId xmlns:a16="http://schemas.microsoft.com/office/drawing/2014/main" id="{75A3C4D4-13C0-CEA2-DADF-71EE486BAF43}"/>
+                <a16:creationId xmlns:a16="http://schemas.microsoft.com/office/drawing/2014/main" id="{52213BB8-60AB-C9FC-C428-49FFC7267D71}"/>
               </a:ext>
             </a:extLst>
           </p:cNvPr>
@@ -1266,7 +1703,7 @@
           <p:cNvPr id="3" name="Content Placeholder 2">
             <a:extLst>
               <a:ext uri="{FF2B5EF4-FFF2-40B4-BE49-F238E27FC236}">
-                <a16:creationId xmlns:a16="http://schemas.microsoft.com/office/drawing/2014/main" id="{3D1392F7-AB28-631C-CA3A-AAD5BB63FE3F}"/>
+                <a16:creationId xmlns:a16="http://schemas.microsoft.com/office/drawing/2014/main" id="{2C26828D-9A3E-91AF-C14E-0ED312270430}"/>
               </a:ext>
             </a:extLst>
           </p:cNvPr>
@@ -1329,7 +1766,7 @@
           <p:cNvPr id="4" name="Content Placeholder 3">
             <a:extLst>
               <a:ext uri="{FF2B5EF4-FFF2-40B4-BE49-F238E27FC236}">
-                <a16:creationId xmlns:a16="http://schemas.microsoft.com/office/drawing/2014/main" id="{1AED0C7B-BF5D-012E-64FC-E3C82ECBAEFB}"/>
+                <a16:creationId xmlns:a16="http://schemas.microsoft.com/office/drawing/2014/main" id="{0E8116FE-0999-47F6-AE4B-6E8BA2FFE8A8}"/>
               </a:ext>
             </a:extLst>
           </p:cNvPr>
@@ -1392,7 +1829,7 @@
           <p:cNvPr id="5" name="Date Placeholder 4">
             <a:extLst>
               <a:ext uri="{FF2B5EF4-FFF2-40B4-BE49-F238E27FC236}">
-                <a16:creationId xmlns:a16="http://schemas.microsoft.com/office/drawing/2014/main" id="{E527E941-CD35-A3E5-7FDB-303D45A10B72}"/>
+                <a16:creationId xmlns:a16="http://schemas.microsoft.com/office/drawing/2014/main" id="{40642DBE-1329-A266-6688-ACF5A62F99EC}"/>
               </a:ext>
             </a:extLst>
           </p:cNvPr>
@@ -1408,9 +1845,9 @@
           <a:bodyPr/>
           <a:lstStyle/>
           <a:p>
-            <a:fld id="{DAC651ED-C691-B749-B5A3-3A370CAE0DB1}" type="datetimeFigureOut">
+            <a:fld id="{B6AFAD21-3DAC-7440-9462-EA831FA20C6B}" type="datetimeFigureOut">
               <a:rPr lang="en-DE" smtClean="0"/>
-              <a:t>14.05.25</a:t>
+              <a:t>15.05.25</a:t>
             </a:fld>
             <a:endParaRPr lang="en-DE"/>
           </a:p>
@@ -1421,7 +1858,7 @@
           <p:cNvPr id="6" name="Footer Placeholder 5">
             <a:extLst>
               <a:ext uri="{FF2B5EF4-FFF2-40B4-BE49-F238E27FC236}">
-                <a16:creationId xmlns:a16="http://schemas.microsoft.com/office/drawing/2014/main" id="{CC11E39B-D8FA-08A1-C6D1-BAA3983015FF}"/>
+                <a16:creationId xmlns:a16="http://schemas.microsoft.com/office/drawing/2014/main" id="{4449FF81-F9DF-99BA-B811-9A0F7D304E51}"/>
               </a:ext>
             </a:extLst>
           </p:cNvPr>
@@ -1446,7 +1883,7 @@
           <p:cNvPr id="7" name="Slide Number Placeholder 6">
             <a:extLst>
               <a:ext uri="{FF2B5EF4-FFF2-40B4-BE49-F238E27FC236}">
-                <a16:creationId xmlns:a16="http://schemas.microsoft.com/office/drawing/2014/main" id="{7FAFBF2E-55A1-DC75-14E3-2B38BF9BD6D6}"/>
+                <a16:creationId xmlns:a16="http://schemas.microsoft.com/office/drawing/2014/main" id="{92F95490-FCD5-A8A6-0554-DC968DE561EE}"/>
               </a:ext>
             </a:extLst>
           </p:cNvPr>
@@ -1462,7 +1899,7 @@
           <a:bodyPr/>
           <a:lstStyle/>
           <a:p>
-            <a:fld id="{8CF4FC77-B31D-DF45-B398-F0AB3D6FE8D6}" type="slidenum">
+            <a:fld id="{C888A736-C7E9-F64D-B844-ECECA302DE6C}" type="slidenum">
               <a:rPr lang="en-DE" smtClean="0"/>
               <a:t>‹#›</a:t>
             </a:fld>
@@ -1473,7 +1910,7 @@
     </p:spTree>
     <p:extLst>
       <p:ext uri="{BB962C8B-B14F-4D97-AF65-F5344CB8AC3E}">
-        <p14:creationId xmlns:p14="http://schemas.microsoft.com/office/powerpoint/2010/main" val="4225564568"/>
+        <p14:creationId xmlns:p14="http://schemas.microsoft.com/office/powerpoint/2010/main" val="751227317"/>
       </p:ext>
     </p:extLst>
   </p:cSld>
@@ -1505,7 +1942,7 @@
           <p:cNvPr id="2" name="Title 1">
             <a:extLst>
               <a:ext uri="{FF2B5EF4-FFF2-40B4-BE49-F238E27FC236}">
-                <a16:creationId xmlns:a16="http://schemas.microsoft.com/office/drawing/2014/main" id="{28F92FED-28FA-F217-1FB0-06560E8D6DD9}"/>
+                <a16:creationId xmlns:a16="http://schemas.microsoft.com/office/drawing/2014/main" id="{F7B45ED2-3C74-67AF-EFD2-82944B0FF2BB}"/>
               </a:ext>
             </a:extLst>
           </p:cNvPr>
@@ -1539,7 +1976,7 @@
           <p:cNvPr id="3" name="Text Placeholder 2">
             <a:extLst>
               <a:ext uri="{FF2B5EF4-FFF2-40B4-BE49-F238E27FC236}">
-                <a16:creationId xmlns:a16="http://schemas.microsoft.com/office/drawing/2014/main" id="{2B2600D9-835A-383D-1DD8-F30B67C40477}"/>
+                <a16:creationId xmlns:a16="http://schemas.microsoft.com/office/drawing/2014/main" id="{17C0D6FA-89C7-8A17-CAE5-98ADAE72E4A3}"/>
               </a:ext>
             </a:extLst>
           </p:cNvPr>
@@ -1610,7 +2047,7 @@
           <p:cNvPr id="4" name="Content Placeholder 3">
             <a:extLst>
               <a:ext uri="{FF2B5EF4-FFF2-40B4-BE49-F238E27FC236}">
-                <a16:creationId xmlns:a16="http://schemas.microsoft.com/office/drawing/2014/main" id="{582A19A2-3724-C30C-1971-1AFA35127B75}"/>
+                <a16:creationId xmlns:a16="http://schemas.microsoft.com/office/drawing/2014/main" id="{91442445-538B-B2E6-27ED-2F6DD7CFACF0}"/>
               </a:ext>
             </a:extLst>
           </p:cNvPr>
@@ -1673,7 +2110,7 @@
           <p:cNvPr id="5" name="Text Placeholder 4">
             <a:extLst>
               <a:ext uri="{FF2B5EF4-FFF2-40B4-BE49-F238E27FC236}">
-                <a16:creationId xmlns:a16="http://schemas.microsoft.com/office/drawing/2014/main" id="{F7FC7C6B-DDE7-D969-E129-D237BCAA2D39}"/>
+                <a16:creationId xmlns:a16="http://schemas.microsoft.com/office/drawing/2014/main" id="{374CE13F-ECF2-BCFF-31C5-0BBCBA878758}"/>
               </a:ext>
             </a:extLst>
           </p:cNvPr>
@@ -1744,7 +2181,7 @@
           <p:cNvPr id="6" name="Content Placeholder 5">
             <a:extLst>
               <a:ext uri="{FF2B5EF4-FFF2-40B4-BE49-F238E27FC236}">
-                <a16:creationId xmlns:a16="http://schemas.microsoft.com/office/drawing/2014/main" id="{B70D8E21-898B-82F8-4EF0-33DAF727DB21}"/>
+                <a16:creationId xmlns:a16="http://schemas.microsoft.com/office/drawing/2014/main" id="{70D7B1E7-CF8A-CCB7-B711-DB990B04AF59}"/>
               </a:ext>
             </a:extLst>
           </p:cNvPr>
@@ -1807,7 +2244,7 @@
           <p:cNvPr id="7" name="Date Placeholder 6">
             <a:extLst>
               <a:ext uri="{FF2B5EF4-FFF2-40B4-BE49-F238E27FC236}">
-                <a16:creationId xmlns:a16="http://schemas.microsoft.com/office/drawing/2014/main" id="{425CBD02-FF60-A546-9EFE-7717036BE732}"/>
+                <a16:creationId xmlns:a16="http://schemas.microsoft.com/office/drawing/2014/main" id="{1A98C61A-E2D6-1FFE-F3FE-D899BC435E59}"/>
               </a:ext>
             </a:extLst>
           </p:cNvPr>
@@ -1823,9 +2260,9 @@
           <a:bodyPr/>
           <a:lstStyle/>
           <a:p>
-            <a:fld id="{DAC651ED-C691-B749-B5A3-3A370CAE0DB1}" type="datetimeFigureOut">
+            <a:fld id="{B6AFAD21-3DAC-7440-9462-EA831FA20C6B}" type="datetimeFigureOut">
               <a:rPr lang="en-DE" smtClean="0"/>
-              <a:t>14.05.25</a:t>
+              <a:t>15.05.25</a:t>
             </a:fld>
             <a:endParaRPr lang="en-DE"/>
           </a:p>
@@ -1836,7 +2273,7 @@
           <p:cNvPr id="8" name="Footer Placeholder 7">
             <a:extLst>
               <a:ext uri="{FF2B5EF4-FFF2-40B4-BE49-F238E27FC236}">
-                <a16:creationId xmlns:a16="http://schemas.microsoft.com/office/drawing/2014/main" id="{65A52948-1330-E11B-BC01-C37BA8E6367A}"/>
+                <a16:creationId xmlns:a16="http://schemas.microsoft.com/office/drawing/2014/main" id="{8A5B7864-0513-9112-E71B-B8E74D49917F}"/>
               </a:ext>
             </a:extLst>
           </p:cNvPr>
@@ -1861,7 +2298,7 @@
           <p:cNvPr id="9" name="Slide Number Placeholder 8">
             <a:extLst>
               <a:ext uri="{FF2B5EF4-FFF2-40B4-BE49-F238E27FC236}">
-                <a16:creationId xmlns:a16="http://schemas.microsoft.com/office/drawing/2014/main" id="{848B88A2-C538-4C8A-7460-E9B0BB8A8996}"/>
+                <a16:creationId xmlns:a16="http://schemas.microsoft.com/office/drawing/2014/main" id="{6DFC9F0D-AF52-5F91-379C-D04ED3B339AF}"/>
               </a:ext>
             </a:extLst>
           </p:cNvPr>
@@ -1877,7 +2314,7 @@
           <a:bodyPr/>
           <a:lstStyle/>
           <a:p>
-            <a:fld id="{8CF4FC77-B31D-DF45-B398-F0AB3D6FE8D6}" type="slidenum">
+            <a:fld id="{C888A736-C7E9-F64D-B844-ECECA302DE6C}" type="slidenum">
               <a:rPr lang="en-DE" smtClean="0"/>
               <a:t>‹#›</a:t>
             </a:fld>
@@ -1888,7 +2325,7 @@
     </p:spTree>
     <p:extLst>
       <p:ext uri="{BB962C8B-B14F-4D97-AF65-F5344CB8AC3E}">
-        <p14:creationId xmlns:p14="http://schemas.microsoft.com/office/powerpoint/2010/main" val="3690639727"/>
+        <p14:creationId xmlns:p14="http://schemas.microsoft.com/office/powerpoint/2010/main" val="191261090"/>
       </p:ext>
     </p:extLst>
   </p:cSld>
@@ -1920,7 +2357,7 @@
           <p:cNvPr id="2" name="Title 1">
             <a:extLst>
               <a:ext uri="{FF2B5EF4-FFF2-40B4-BE49-F238E27FC236}">
-                <a16:creationId xmlns:a16="http://schemas.microsoft.com/office/drawing/2014/main" id="{DB2A4769-EB41-D2B8-468D-CABB15604F6A}"/>
+                <a16:creationId xmlns:a16="http://schemas.microsoft.com/office/drawing/2014/main" id="{75BAC529-DA04-C6AA-E01A-3559EC880948}"/>
               </a:ext>
             </a:extLst>
           </p:cNvPr>
@@ -1949,7 +2386,7 @@
           <p:cNvPr id="3" name="Date Placeholder 2">
             <a:extLst>
               <a:ext uri="{FF2B5EF4-FFF2-40B4-BE49-F238E27FC236}">
-                <a16:creationId xmlns:a16="http://schemas.microsoft.com/office/drawing/2014/main" id="{95482E51-A9E5-DC90-29A0-5AC7624E2CF7}"/>
+                <a16:creationId xmlns:a16="http://schemas.microsoft.com/office/drawing/2014/main" id="{7C4805FB-84A0-74BE-3360-F8DD8FA3F635}"/>
               </a:ext>
             </a:extLst>
           </p:cNvPr>
@@ -1965,9 +2402,9 @@
           <a:bodyPr/>
           <a:lstStyle/>
           <a:p>
-            <a:fld id="{DAC651ED-C691-B749-B5A3-3A370CAE0DB1}" type="datetimeFigureOut">
+            <a:fld id="{B6AFAD21-3DAC-7440-9462-EA831FA20C6B}" type="datetimeFigureOut">
               <a:rPr lang="en-DE" smtClean="0"/>
-              <a:t>14.05.25</a:t>
+              <a:t>15.05.25</a:t>
             </a:fld>
             <a:endParaRPr lang="en-DE"/>
           </a:p>
@@ -1978,7 +2415,7 @@
           <p:cNvPr id="4" name="Footer Placeholder 3">
             <a:extLst>
               <a:ext uri="{FF2B5EF4-FFF2-40B4-BE49-F238E27FC236}">
-                <a16:creationId xmlns:a16="http://schemas.microsoft.com/office/drawing/2014/main" id="{B5F6E234-A17C-3339-B8F3-6514715A0F98}"/>
+                <a16:creationId xmlns:a16="http://schemas.microsoft.com/office/drawing/2014/main" id="{05D7F5BB-EF8C-34A9-E75C-05AA1E52B167}"/>
               </a:ext>
             </a:extLst>
           </p:cNvPr>
@@ -2003,7 +2440,7 @@
           <p:cNvPr id="5" name="Slide Number Placeholder 4">
             <a:extLst>
               <a:ext uri="{FF2B5EF4-FFF2-40B4-BE49-F238E27FC236}">
-                <a16:creationId xmlns:a16="http://schemas.microsoft.com/office/drawing/2014/main" id="{F3A189AF-B9DE-CC27-30C9-F41A955D0805}"/>
+                <a16:creationId xmlns:a16="http://schemas.microsoft.com/office/drawing/2014/main" id="{C1038739-81EC-4D0A-2A49-7FEA0FF2AC88}"/>
               </a:ext>
             </a:extLst>
           </p:cNvPr>
@@ -2019,7 +2456,7 @@
           <a:bodyPr/>
           <a:lstStyle/>
           <a:p>
-            <a:fld id="{8CF4FC77-B31D-DF45-B398-F0AB3D6FE8D6}" type="slidenum">
+            <a:fld id="{C888A736-C7E9-F64D-B844-ECECA302DE6C}" type="slidenum">
               <a:rPr lang="en-DE" smtClean="0"/>
               <a:t>‹#›</a:t>
             </a:fld>
@@ -2030,7 +2467,7 @@
     </p:spTree>
     <p:extLst>
       <p:ext uri="{BB962C8B-B14F-4D97-AF65-F5344CB8AC3E}">
-        <p14:creationId xmlns:p14="http://schemas.microsoft.com/office/powerpoint/2010/main" val="3747535033"/>
+        <p14:creationId xmlns:p14="http://schemas.microsoft.com/office/powerpoint/2010/main" val="3065002841"/>
       </p:ext>
     </p:extLst>
   </p:cSld>
@@ -2062,7 +2499,7 @@
           <p:cNvPr id="2" name="Date Placeholder 1">
             <a:extLst>
               <a:ext uri="{FF2B5EF4-FFF2-40B4-BE49-F238E27FC236}">
-                <a16:creationId xmlns:a16="http://schemas.microsoft.com/office/drawing/2014/main" id="{57879776-F797-9239-E295-64A597BA30D7}"/>
+                <a16:creationId xmlns:a16="http://schemas.microsoft.com/office/drawing/2014/main" id="{0D17B88D-FCCA-653E-4CB3-9E10D391D0B4}"/>
               </a:ext>
             </a:extLst>
           </p:cNvPr>
@@ -2078,9 +2515,9 @@
           <a:bodyPr/>
           <a:lstStyle/>
           <a:p>
-            <a:fld id="{DAC651ED-C691-B749-B5A3-3A370CAE0DB1}" type="datetimeFigureOut">
+            <a:fld id="{B6AFAD21-3DAC-7440-9462-EA831FA20C6B}" type="datetimeFigureOut">
               <a:rPr lang="en-DE" smtClean="0"/>
-              <a:t>14.05.25</a:t>
+              <a:t>15.05.25</a:t>
             </a:fld>
             <a:endParaRPr lang="en-DE"/>
           </a:p>
@@ -2091,7 +2528,7 @@
           <p:cNvPr id="3" name="Footer Placeholder 2">
             <a:extLst>
               <a:ext uri="{FF2B5EF4-FFF2-40B4-BE49-F238E27FC236}">
-                <a16:creationId xmlns:a16="http://schemas.microsoft.com/office/drawing/2014/main" id="{6D2D8F8E-7EF4-285B-BA13-9F0141D02E37}"/>
+                <a16:creationId xmlns:a16="http://schemas.microsoft.com/office/drawing/2014/main" id="{7E14DE9B-1548-C031-0040-E7848C799CC4}"/>
               </a:ext>
             </a:extLst>
           </p:cNvPr>
@@ -2116,7 +2553,7 @@
           <p:cNvPr id="4" name="Slide Number Placeholder 3">
             <a:extLst>
               <a:ext uri="{FF2B5EF4-FFF2-40B4-BE49-F238E27FC236}">
-                <a16:creationId xmlns:a16="http://schemas.microsoft.com/office/drawing/2014/main" id="{C806C31F-787B-5E86-2822-810648A6C376}"/>
+                <a16:creationId xmlns:a16="http://schemas.microsoft.com/office/drawing/2014/main" id="{F1BA865A-2ABB-16CB-3B7C-0A72771F012E}"/>
               </a:ext>
             </a:extLst>
           </p:cNvPr>
@@ -2132,7 +2569,7 @@
           <a:bodyPr/>
           <a:lstStyle/>
           <a:p>
-            <a:fld id="{8CF4FC77-B31D-DF45-B398-F0AB3D6FE8D6}" type="slidenum">
+            <a:fld id="{C888A736-C7E9-F64D-B844-ECECA302DE6C}" type="slidenum">
               <a:rPr lang="en-DE" smtClean="0"/>
               <a:t>‹#›</a:t>
             </a:fld>
@@ -2143,7 +2580,7 @@
     </p:spTree>
     <p:extLst>
       <p:ext uri="{BB962C8B-B14F-4D97-AF65-F5344CB8AC3E}">
-        <p14:creationId xmlns:p14="http://schemas.microsoft.com/office/powerpoint/2010/main" val="90032428"/>
+        <p14:creationId xmlns:p14="http://schemas.microsoft.com/office/powerpoint/2010/main" val="3116351255"/>
       </p:ext>
     </p:extLst>
   </p:cSld>
@@ -2175,7 +2612,7 @@
           <p:cNvPr id="2" name="Title 1">
             <a:extLst>
               <a:ext uri="{FF2B5EF4-FFF2-40B4-BE49-F238E27FC236}">
-                <a16:creationId xmlns:a16="http://schemas.microsoft.com/office/drawing/2014/main" id="{B1288E71-C26B-8706-E794-DBED7598407E}"/>
+                <a16:creationId xmlns:a16="http://schemas.microsoft.com/office/drawing/2014/main" id="{0EFE951D-43FB-0EED-858E-F02228CC00BD}"/>
               </a:ext>
             </a:extLst>
           </p:cNvPr>
@@ -2213,7 +2650,7 @@
           <p:cNvPr id="3" name="Content Placeholder 2">
             <a:extLst>
               <a:ext uri="{FF2B5EF4-FFF2-40B4-BE49-F238E27FC236}">
-                <a16:creationId xmlns:a16="http://schemas.microsoft.com/office/drawing/2014/main" id="{D8665C3B-0601-F507-CAE1-F3B94FB18CF8}"/>
+                <a16:creationId xmlns:a16="http://schemas.microsoft.com/office/drawing/2014/main" id="{43BB3F46-6073-A35C-258B-3B3900C7544D}"/>
               </a:ext>
             </a:extLst>
           </p:cNvPr>
@@ -2304,7 +2741,7 @@
           <p:cNvPr id="4" name="Text Placeholder 3">
             <a:extLst>
               <a:ext uri="{FF2B5EF4-FFF2-40B4-BE49-F238E27FC236}">
-                <a16:creationId xmlns:a16="http://schemas.microsoft.com/office/drawing/2014/main" id="{CF6ED27D-E9BA-316C-E750-9369B6E12A03}"/>
+                <a16:creationId xmlns:a16="http://schemas.microsoft.com/office/drawing/2014/main" id="{15B58A63-9E19-82F8-9F1F-6183B6AB9857}"/>
               </a:ext>
             </a:extLst>
           </p:cNvPr>
@@ -2375,7 +2812,7 @@
           <p:cNvPr id="5" name="Date Placeholder 4">
             <a:extLst>
               <a:ext uri="{FF2B5EF4-FFF2-40B4-BE49-F238E27FC236}">
-                <a16:creationId xmlns:a16="http://schemas.microsoft.com/office/drawing/2014/main" id="{3161E6AE-6EDB-ED94-0926-4F4D5E11C493}"/>
+                <a16:creationId xmlns:a16="http://schemas.microsoft.com/office/drawing/2014/main" id="{1A3375D5-AF7A-9325-A8BB-321A688A00A0}"/>
               </a:ext>
             </a:extLst>
           </p:cNvPr>
@@ -2391,9 +2828,9 @@
           <a:bodyPr/>
           <a:lstStyle/>
           <a:p>
-            <a:fld id="{DAC651ED-C691-B749-B5A3-3A370CAE0DB1}" type="datetimeFigureOut">
+            <a:fld id="{B6AFAD21-3DAC-7440-9462-EA831FA20C6B}" type="datetimeFigureOut">
               <a:rPr lang="en-DE" smtClean="0"/>
-              <a:t>14.05.25</a:t>
+              <a:t>15.05.25</a:t>
             </a:fld>
             <a:endParaRPr lang="en-DE"/>
           </a:p>
@@ -2404,7 +2841,7 @@
           <p:cNvPr id="6" name="Footer Placeholder 5">
             <a:extLst>
               <a:ext uri="{FF2B5EF4-FFF2-40B4-BE49-F238E27FC236}">
-                <a16:creationId xmlns:a16="http://schemas.microsoft.com/office/drawing/2014/main" id="{9F6A1A9C-3E88-19C9-0924-0DBB321EB3F6}"/>
+                <a16:creationId xmlns:a16="http://schemas.microsoft.com/office/drawing/2014/main" id="{F37E78D1-BF31-4D88-6D63-BF4C6C393DD1}"/>
               </a:ext>
             </a:extLst>
           </p:cNvPr>
@@ -2429,7 +2866,7 @@
           <p:cNvPr id="7" name="Slide Number Placeholder 6">
             <a:extLst>
               <a:ext uri="{FF2B5EF4-FFF2-40B4-BE49-F238E27FC236}">
-                <a16:creationId xmlns:a16="http://schemas.microsoft.com/office/drawing/2014/main" id="{6B9427C6-1321-CB7D-F6AF-66DD4C084360}"/>
+                <a16:creationId xmlns:a16="http://schemas.microsoft.com/office/drawing/2014/main" id="{721FAE24-14B7-713A-88F9-4BB6E8D31C05}"/>
               </a:ext>
             </a:extLst>
           </p:cNvPr>
@@ -2445,7 +2882,7 @@
           <a:bodyPr/>
           <a:lstStyle/>
           <a:p>
-            <a:fld id="{8CF4FC77-B31D-DF45-B398-F0AB3D6FE8D6}" type="slidenum">
+            <a:fld id="{C888A736-C7E9-F64D-B844-ECECA302DE6C}" type="slidenum">
               <a:rPr lang="en-DE" smtClean="0"/>
               <a:t>‹#›</a:t>
             </a:fld>
@@ -2456,7 +2893,7 @@
     </p:spTree>
     <p:extLst>
       <p:ext uri="{BB962C8B-B14F-4D97-AF65-F5344CB8AC3E}">
-        <p14:creationId xmlns:p14="http://schemas.microsoft.com/office/powerpoint/2010/main" val="1725312076"/>
+        <p14:creationId xmlns:p14="http://schemas.microsoft.com/office/powerpoint/2010/main" val="2019837444"/>
       </p:ext>
     </p:extLst>
   </p:cSld>
@@ -2488,7 +2925,7 @@
           <p:cNvPr id="2" name="Title 1">
             <a:extLst>
               <a:ext uri="{FF2B5EF4-FFF2-40B4-BE49-F238E27FC236}">
-                <a16:creationId xmlns:a16="http://schemas.microsoft.com/office/drawing/2014/main" id="{F30B0563-E773-0BF0-0A47-7234F8DF739F}"/>
+                <a16:creationId xmlns:a16="http://schemas.microsoft.com/office/drawing/2014/main" id="{485539A2-6D6B-EC94-A5A9-C1DA76199279}"/>
               </a:ext>
             </a:extLst>
           </p:cNvPr>
@@ -2526,7 +2963,7 @@
           <p:cNvPr id="3" name="Picture Placeholder 2">
             <a:extLst>
               <a:ext uri="{FF2B5EF4-FFF2-40B4-BE49-F238E27FC236}">
-                <a16:creationId xmlns:a16="http://schemas.microsoft.com/office/drawing/2014/main" id="{37359B17-8D07-B4ED-46EE-1BDC9839EB14}"/>
+                <a16:creationId xmlns:a16="http://schemas.microsoft.com/office/drawing/2014/main" id="{19946F69-6DC5-CE9D-FEEB-9B3120D22976}"/>
               </a:ext>
             </a:extLst>
           </p:cNvPr>
@@ -2593,7 +3030,7 @@
           <p:cNvPr id="4" name="Text Placeholder 3">
             <a:extLst>
               <a:ext uri="{FF2B5EF4-FFF2-40B4-BE49-F238E27FC236}">
-                <a16:creationId xmlns:a16="http://schemas.microsoft.com/office/drawing/2014/main" id="{80C880A9-A91D-BD1D-3A0B-6B2D715EBB7E}"/>
+                <a16:creationId xmlns:a16="http://schemas.microsoft.com/office/drawing/2014/main" id="{83999C8C-96A0-CB9C-AFE3-4B0CFD6D54F4}"/>
               </a:ext>
             </a:extLst>
           </p:cNvPr>
@@ -2664,7 +3101,7 @@
           <p:cNvPr id="5" name="Date Placeholder 4">
             <a:extLst>
               <a:ext uri="{FF2B5EF4-FFF2-40B4-BE49-F238E27FC236}">
-                <a16:creationId xmlns:a16="http://schemas.microsoft.com/office/drawing/2014/main" id="{44B54E3B-2F4A-C228-BE44-92B9E6BD621A}"/>
+                <a16:creationId xmlns:a16="http://schemas.microsoft.com/office/drawing/2014/main" id="{E4C140A9-8D19-6C7B-48BB-17A2D270EEDA}"/>
               </a:ext>
             </a:extLst>
           </p:cNvPr>
@@ -2680,9 +3117,9 @@
           <a:bodyPr/>
           <a:lstStyle/>
           <a:p>
-            <a:fld id="{DAC651ED-C691-B749-B5A3-3A370CAE0DB1}" type="datetimeFigureOut">
+            <a:fld id="{B6AFAD21-3DAC-7440-9462-EA831FA20C6B}" type="datetimeFigureOut">
               <a:rPr lang="en-DE" smtClean="0"/>
-              <a:t>14.05.25</a:t>
+              <a:t>15.05.25</a:t>
             </a:fld>
             <a:endParaRPr lang="en-DE"/>
           </a:p>
@@ -2693,7 +3130,7 @@
           <p:cNvPr id="6" name="Footer Placeholder 5">
             <a:extLst>
               <a:ext uri="{FF2B5EF4-FFF2-40B4-BE49-F238E27FC236}">
-                <a16:creationId xmlns:a16="http://schemas.microsoft.com/office/drawing/2014/main" id="{BE1FA9C8-1FA1-AB2F-678F-689F9BAAC643}"/>
+                <a16:creationId xmlns:a16="http://schemas.microsoft.com/office/drawing/2014/main" id="{EE290D8F-C727-3BB1-D286-61803089A1C3}"/>
               </a:ext>
             </a:extLst>
           </p:cNvPr>
@@ -2718,7 +3155,7 @@
           <p:cNvPr id="7" name="Slide Number Placeholder 6">
             <a:extLst>
               <a:ext uri="{FF2B5EF4-FFF2-40B4-BE49-F238E27FC236}">
-                <a16:creationId xmlns:a16="http://schemas.microsoft.com/office/drawing/2014/main" id="{F4DAE045-5D17-9052-5454-4EA89C09B424}"/>
+                <a16:creationId xmlns:a16="http://schemas.microsoft.com/office/drawing/2014/main" id="{418D8AA5-6E2A-723F-50A9-3109DBE12A9C}"/>
               </a:ext>
             </a:extLst>
           </p:cNvPr>
@@ -2734,7 +3171,7 @@
           <a:bodyPr/>
           <a:lstStyle/>
           <a:p>
-            <a:fld id="{8CF4FC77-B31D-DF45-B398-F0AB3D6FE8D6}" type="slidenum">
+            <a:fld id="{C888A736-C7E9-F64D-B844-ECECA302DE6C}" type="slidenum">
               <a:rPr lang="en-DE" smtClean="0"/>
               <a:t>‹#›</a:t>
             </a:fld>
@@ -2745,7 +3182,7 @@
     </p:spTree>
     <p:extLst>
       <p:ext uri="{BB962C8B-B14F-4D97-AF65-F5344CB8AC3E}">
-        <p14:creationId xmlns:p14="http://schemas.microsoft.com/office/powerpoint/2010/main" val="1924374660"/>
+        <p14:creationId xmlns:p14="http://schemas.microsoft.com/office/powerpoint/2010/main" val="1678765484"/>
       </p:ext>
     </p:extLst>
   </p:cSld>
@@ -2782,7 +3219,7 @@
           <p:cNvPr id="2" name="Title Placeholder 1">
             <a:extLst>
               <a:ext uri="{FF2B5EF4-FFF2-40B4-BE49-F238E27FC236}">
-                <a16:creationId xmlns:a16="http://schemas.microsoft.com/office/drawing/2014/main" id="{11D2A3A5-3981-4F9F-146A-F421A5EA0F84}"/>
+                <a16:creationId xmlns:a16="http://schemas.microsoft.com/office/drawing/2014/main" id="{2C572D25-FD8D-2F85-924E-F5B1433B0164}"/>
               </a:ext>
             </a:extLst>
           </p:cNvPr>
@@ -2821,7 +3258,7 @@
           <p:cNvPr id="3" name="Text Placeholder 2">
             <a:extLst>
               <a:ext uri="{FF2B5EF4-FFF2-40B4-BE49-F238E27FC236}">
-                <a16:creationId xmlns:a16="http://schemas.microsoft.com/office/drawing/2014/main" id="{CEF7E946-B415-3730-4662-87BC2DC13690}"/>
+                <a16:creationId xmlns:a16="http://schemas.microsoft.com/office/drawing/2014/main" id="{BA3DDE69-2F51-25EC-E935-2C9C1B5D63B1}"/>
               </a:ext>
             </a:extLst>
           </p:cNvPr>
@@ -2889,7 +3326,7 @@
           <p:cNvPr id="4" name="Date Placeholder 3">
             <a:extLst>
               <a:ext uri="{FF2B5EF4-FFF2-40B4-BE49-F238E27FC236}">
-                <a16:creationId xmlns:a16="http://schemas.microsoft.com/office/drawing/2014/main" id="{1F8ECC69-0EC2-9E42-094A-6C5E94C92240}"/>
+                <a16:creationId xmlns:a16="http://schemas.microsoft.com/office/drawing/2014/main" id="{1A6C16E5-42C8-1B1D-7169-95EC05FE0C09}"/>
               </a:ext>
             </a:extLst>
           </p:cNvPr>
@@ -2923,9 +3360,9 @@
             </a:lvl1pPr>
           </a:lstStyle>
           <a:p>
-            <a:fld id="{DAC651ED-C691-B749-B5A3-3A370CAE0DB1}" type="datetimeFigureOut">
+            <a:fld id="{B6AFAD21-3DAC-7440-9462-EA831FA20C6B}" type="datetimeFigureOut">
               <a:rPr lang="en-DE" smtClean="0"/>
-              <a:t>14.05.25</a:t>
+              <a:t>15.05.25</a:t>
             </a:fld>
             <a:endParaRPr lang="en-DE"/>
           </a:p>
@@ -2936,7 +3373,7 @@
           <p:cNvPr id="5" name="Footer Placeholder 4">
             <a:extLst>
               <a:ext uri="{FF2B5EF4-FFF2-40B4-BE49-F238E27FC236}">
-                <a16:creationId xmlns:a16="http://schemas.microsoft.com/office/drawing/2014/main" id="{2F90EB41-0CE8-2D1A-4BA3-DD390EBFEF37}"/>
+                <a16:creationId xmlns:a16="http://schemas.microsoft.com/office/drawing/2014/main" id="{E105B812-2C94-198A-BE8D-6B85E464F6A1}"/>
               </a:ext>
             </a:extLst>
           </p:cNvPr>
@@ -2979,7 +3416,7 @@
           <p:cNvPr id="6" name="Slide Number Placeholder 5">
             <a:extLst>
               <a:ext uri="{FF2B5EF4-FFF2-40B4-BE49-F238E27FC236}">
-                <a16:creationId xmlns:a16="http://schemas.microsoft.com/office/drawing/2014/main" id="{ECB6C136-68EC-BD5E-EE45-DEAFC739170B}"/>
+                <a16:creationId xmlns:a16="http://schemas.microsoft.com/office/drawing/2014/main" id="{A5156ADE-DC2E-788E-BDE9-1526190C77A2}"/>
               </a:ext>
             </a:extLst>
           </p:cNvPr>
@@ -3013,7 +3450,7 @@
             </a:lvl1pPr>
           </a:lstStyle>
           <a:p>
-            <a:fld id="{8CF4FC77-B31D-DF45-B398-F0AB3D6FE8D6}" type="slidenum">
+            <a:fld id="{C888A736-C7E9-F64D-B844-ECECA302DE6C}" type="slidenum">
               <a:rPr lang="en-DE" smtClean="0"/>
               <a:t>‹#›</a:t>
             </a:fld>
@@ -3024,7 +3461,7 @@
     </p:spTree>
     <p:extLst>
       <p:ext uri="{BB962C8B-B14F-4D97-AF65-F5344CB8AC3E}">
-        <p14:creationId xmlns:p14="http://schemas.microsoft.com/office/powerpoint/2010/main" val="3136820448"/>
+        <p14:creationId xmlns:p14="http://schemas.microsoft.com/office/powerpoint/2010/main" val="241896345"/>
       </p:ext>
     </p:extLst>
   </p:cSld>
@@ -3344,10 +3781,10 @@
       </p:grpSpPr>
       <p:pic>
         <p:nvPicPr>
-          <p:cNvPr id="1028" name="Picture 4">
-            <a:extLst>
-              <a:ext uri="{FF2B5EF4-FFF2-40B4-BE49-F238E27FC236}">
-                <a16:creationId xmlns:a16="http://schemas.microsoft.com/office/drawing/2014/main" id="{703E39DA-5A0D-8FB6-F698-3787EA18BF67}"/>
+          <p:cNvPr id="7172" name="Picture 4">
+            <a:extLst>
+              <a:ext uri="{FF2B5EF4-FFF2-40B4-BE49-F238E27FC236}">
+                <a16:creationId xmlns:a16="http://schemas.microsoft.com/office/drawing/2014/main" id="{2CC60758-8CE4-B9CE-E806-020807798EA1}"/>
               </a:ext>
             </a:extLst>
           </p:cNvPr>
@@ -3357,7 +3794,7 @@
           <p:nvPr/>
         </p:nvPicPr>
         <p:blipFill>
-          <a:blip r:embed="rId2">
+          <a:blip r:embed="rId3">
             <a:extLst>
               <a:ext uri="{28A0092B-C50C-407E-A947-70E740481C1C}">
                 <a14:useLocalDpi xmlns:a14="http://schemas.microsoft.com/office/drawing/2010/main" val="0"/>
@@ -3371,8 +3808,8 @@
         </p:blipFill>
         <p:spPr bwMode="auto">
           <a:xfrm>
-            <a:off x="0" y="422275"/>
-            <a:ext cx="12192000" cy="6013450"/>
+            <a:off x="0" y="839788"/>
+            <a:ext cx="12192000" cy="5178425"/>
           </a:xfrm>
           <a:prstGeom prst="rect">
             <a:avLst/>
@@ -3392,7 +3829,7 @@
     </p:spTree>
     <p:extLst>
       <p:ext uri="{BB962C8B-B14F-4D97-AF65-F5344CB8AC3E}">
-        <p14:creationId xmlns:p14="http://schemas.microsoft.com/office/powerpoint/2010/main" val="1746131408"/>
+        <p14:creationId xmlns:p14="http://schemas.microsoft.com/office/powerpoint/2010/main" val="2118333674"/>
       </p:ext>
     </p:extLst>
   </p:cSld>
@@ -3695,4 +4132,299 @@
     </a:ext>
   </a:extLst>
 </a:theme>
+</file>
+
+<file path=ppt/theme/theme2.xml><?xml version="1.0" encoding="utf-8"?>
+<a:theme xmlns:a="http://schemas.openxmlformats.org/drawingml/2006/main" name="Office Theme">
+  <a:themeElements>
+    <a:clrScheme name="Office">
+      <a:dk1>
+        <a:sysClr val="windowText" lastClr="000000"/>
+      </a:dk1>
+      <a:lt1>
+        <a:sysClr val="window" lastClr="FFFFFF"/>
+      </a:lt1>
+      <a:dk2>
+        <a:srgbClr val="44546A"/>
+      </a:dk2>
+      <a:lt2>
+        <a:srgbClr val="E7E6E6"/>
+      </a:lt2>
+      <a:accent1>
+        <a:srgbClr val="4472C4"/>
+      </a:accent1>
+      <a:accent2>
+        <a:srgbClr val="ED7D31"/>
+      </a:accent2>
+      <a:accent3>
+        <a:srgbClr val="A5A5A5"/>
+      </a:accent3>
+      <a:accent4>
+        <a:srgbClr val="FFC000"/>
+      </a:accent4>
+      <a:accent5>
+        <a:srgbClr val="5B9BD5"/>
+      </a:accent5>
+      <a:accent6>
+        <a:srgbClr val="70AD47"/>
+      </a:accent6>
+      <a:hlink>
+        <a:srgbClr val="0563C1"/>
+      </a:hlink>
+      <a:folHlink>
+        <a:srgbClr val="954F72"/>
+      </a:folHlink>
+    </a:clrScheme>
+    <a:fontScheme name="Office">
+      <a:majorFont>
+        <a:latin typeface="Calibri Light" panose="020F0302020204030204"/>
+        <a:ea typeface=""/>
+        <a:cs typeface=""/>
+        <a:font script="Jpan" typeface="游ゴシック Light"/>
+        <a:font script="Hang" typeface="맑은 고딕"/>
+        <a:font script="Hans" typeface="等线 Light"/>
+        <a:font script="Hant" typeface="新細明體"/>
+        <a:font script="Arab" typeface="Times New Roman"/>
+        <a:font script="Hebr" typeface="Times New Roman"/>
+        <a:font script="Thai" typeface="Angsana New"/>
+        <a:font script="Ethi" typeface="Nyala"/>
+        <a:font script="Beng" typeface="Vrinda"/>
+        <a:font script="Gujr" typeface="Shruti"/>
+        <a:font script="Khmr" typeface="MoolBoran"/>
+        <a:font script="Knda" typeface="Tunga"/>
+        <a:font script="Guru" typeface="Raavi"/>
+        <a:font script="Cans" typeface="Euphemia"/>
+        <a:font script="Cher" typeface="Plantagenet Cherokee"/>
+        <a:font script="Yiii" typeface="Microsoft Yi Baiti"/>
+        <a:font script="Tibt" typeface="Microsoft Himalaya"/>
+        <a:font script="Thaa" typeface="MV Boli"/>
+        <a:font script="Deva" typeface="Mangal"/>
+        <a:font script="Telu" typeface="Gautami"/>
+        <a:font script="Taml" typeface="Latha"/>
+        <a:font script="Syrc" typeface="Estrangelo Edessa"/>
+        <a:font script="Orya" typeface="Kalinga"/>
+        <a:font script="Mlym" typeface="Kartika"/>
+        <a:font script="Laoo" typeface="DokChampa"/>
+        <a:font script="Sinh" typeface="Iskoola Pota"/>
+        <a:font script="Mong" typeface="Mongolian Baiti"/>
+        <a:font script="Viet" typeface="Times New Roman"/>
+        <a:font script="Uigh" typeface="Microsoft Uighur"/>
+        <a:font script="Geor" typeface="Sylfaen"/>
+        <a:font script="Armn" typeface="Arial"/>
+        <a:font script="Bugi" typeface="Leelawadee UI"/>
+        <a:font script="Bopo" typeface="Microsoft JhengHei"/>
+        <a:font script="Java" typeface="Javanese Text"/>
+        <a:font script="Lisu" typeface="Segoe UI"/>
+        <a:font script="Mymr" typeface="Myanmar Text"/>
+        <a:font script="Nkoo" typeface="Ebrima"/>
+        <a:font script="Olck" typeface="Nirmala UI"/>
+        <a:font script="Osma" typeface="Ebrima"/>
+        <a:font script="Phag" typeface="Phagspa"/>
+        <a:font script="Syrn" typeface="Estrangelo Edessa"/>
+        <a:font script="Syrj" typeface="Estrangelo Edessa"/>
+        <a:font script="Syre" typeface="Estrangelo Edessa"/>
+        <a:font script="Sora" typeface="Nirmala UI"/>
+        <a:font script="Tale" typeface="Microsoft Tai Le"/>
+        <a:font script="Talu" typeface="Microsoft New Tai Lue"/>
+        <a:font script="Tfng" typeface="Ebrima"/>
+      </a:majorFont>
+      <a:minorFont>
+        <a:latin typeface="Calibri" panose="020F0502020204030204"/>
+        <a:ea typeface=""/>
+        <a:cs typeface=""/>
+        <a:font script="Jpan" typeface="游ゴシック"/>
+        <a:font script="Hang" typeface="맑은 고딕"/>
+        <a:font script="Hans" typeface="等线"/>
+        <a:font script="Hant" typeface="新細明體"/>
+        <a:font script="Arab" typeface="Arial"/>
+        <a:font script="Hebr" typeface="Arial"/>
+        <a:font script="Thai" typeface="Cordia New"/>
+        <a:font script="Ethi" typeface="Nyala"/>
+        <a:font script="Beng" typeface="Vrinda"/>
+        <a:font script="Gujr" typeface="Shruti"/>
+        <a:font script="Khmr" typeface="DaunPenh"/>
+        <a:font script="Knda" typeface="Tunga"/>
+        <a:font script="Guru" typeface="Raavi"/>
+        <a:font script="Cans" typeface="Euphemia"/>
+        <a:font script="Cher" typeface="Plantagenet Cherokee"/>
+        <a:font script="Yiii" typeface="Microsoft Yi Baiti"/>
+        <a:font script="Tibt" typeface="Microsoft Himalaya"/>
+        <a:font script="Thaa" typeface="MV Boli"/>
+        <a:font script="Deva" typeface="Mangal"/>
+        <a:font script="Telu" typeface="Gautami"/>
+        <a:font script="Taml" typeface="Latha"/>
+        <a:font script="Syrc" typeface="Estrangelo Edessa"/>
+        <a:font script="Orya" typeface="Kalinga"/>
+        <a:font script="Mlym" typeface="Kartika"/>
+        <a:font script="Laoo" typeface="DokChampa"/>
+        <a:font script="Sinh" typeface="Iskoola Pota"/>
+        <a:font script="Mong" typeface="Mongolian Baiti"/>
+        <a:font script="Viet" typeface="Arial"/>
+        <a:font script="Uigh" typeface="Microsoft Uighur"/>
+        <a:font script="Geor" typeface="Sylfaen"/>
+        <a:font script="Armn" typeface="Arial"/>
+        <a:font script="Bugi" typeface="Leelawadee UI"/>
+        <a:font script="Bopo" typeface="Microsoft JhengHei"/>
+        <a:font script="Java" typeface="Javanese Text"/>
+        <a:font script="Lisu" typeface="Segoe UI"/>
+        <a:font script="Mymr" typeface="Myanmar Text"/>
+        <a:font script="Nkoo" typeface="Ebrima"/>
+        <a:font script="Olck" typeface="Nirmala UI"/>
+        <a:font script="Osma" typeface="Ebrima"/>
+        <a:font script="Phag" typeface="Phagspa"/>
+        <a:font script="Syrn" typeface="Estrangelo Edessa"/>
+        <a:font script="Syrj" typeface="Estrangelo Edessa"/>
+        <a:font script="Syre" typeface="Estrangelo Edessa"/>
+        <a:font script="Sora" typeface="Nirmala UI"/>
+        <a:font script="Tale" typeface="Microsoft Tai Le"/>
+        <a:font script="Talu" typeface="Microsoft New Tai Lue"/>
+        <a:font script="Tfng" typeface="Ebrima"/>
+      </a:minorFont>
+    </a:fontScheme>
+    <a:fmtScheme name="Office">
+      <a:fillStyleLst>
+        <a:solidFill>
+          <a:schemeClr val="phClr"/>
+        </a:solidFill>
+        <a:gradFill rotWithShape="1">
+          <a:gsLst>
+            <a:gs pos="0">
+              <a:schemeClr val="phClr">
+                <a:lumMod val="110000"/>
+                <a:satMod val="105000"/>
+                <a:tint val="67000"/>
+              </a:schemeClr>
+            </a:gs>
+            <a:gs pos="50000">
+              <a:schemeClr val="phClr">
+                <a:lumMod val="105000"/>
+                <a:satMod val="103000"/>
+                <a:tint val="73000"/>
+              </a:schemeClr>
+            </a:gs>
+            <a:gs pos="100000">
+              <a:schemeClr val="phClr">
+                <a:lumMod val="105000"/>
+                <a:satMod val="109000"/>
+                <a:tint val="81000"/>
+              </a:schemeClr>
+            </a:gs>
+          </a:gsLst>
+          <a:lin ang="5400000" scaled="0"/>
+        </a:gradFill>
+        <a:gradFill rotWithShape="1">
+          <a:gsLst>
+            <a:gs pos="0">
+              <a:schemeClr val="phClr">
+                <a:satMod val="103000"/>
+                <a:lumMod val="102000"/>
+                <a:tint val="94000"/>
+              </a:schemeClr>
+            </a:gs>
+            <a:gs pos="50000">
+              <a:schemeClr val="phClr">
+                <a:satMod val="110000"/>
+                <a:lumMod val="100000"/>
+                <a:shade val="100000"/>
+              </a:schemeClr>
+            </a:gs>
+            <a:gs pos="100000">
+              <a:schemeClr val="phClr">
+                <a:lumMod val="99000"/>
+                <a:satMod val="120000"/>
+                <a:shade val="78000"/>
+              </a:schemeClr>
+            </a:gs>
+          </a:gsLst>
+          <a:lin ang="5400000" scaled="0"/>
+        </a:gradFill>
+      </a:fillStyleLst>
+      <a:lnStyleLst>
+        <a:ln w="6350" cap="flat" cmpd="sng" algn="ctr">
+          <a:solidFill>
+            <a:schemeClr val="phClr"/>
+          </a:solidFill>
+          <a:prstDash val="solid"/>
+          <a:miter lim="800000"/>
+        </a:ln>
+        <a:ln w="12700" cap="flat" cmpd="sng" algn="ctr">
+          <a:solidFill>
+            <a:schemeClr val="phClr"/>
+          </a:solidFill>
+          <a:prstDash val="solid"/>
+          <a:miter lim="800000"/>
+        </a:ln>
+        <a:ln w="19050" cap="flat" cmpd="sng" algn="ctr">
+          <a:solidFill>
+            <a:schemeClr val="phClr"/>
+          </a:solidFill>
+          <a:prstDash val="solid"/>
+          <a:miter lim="800000"/>
+        </a:ln>
+      </a:lnStyleLst>
+      <a:effectStyleLst>
+        <a:effectStyle>
+          <a:effectLst/>
+        </a:effectStyle>
+        <a:effectStyle>
+          <a:effectLst/>
+        </a:effectStyle>
+        <a:effectStyle>
+          <a:effectLst>
+            <a:outerShdw blurRad="57150" dist="19050" dir="5400000" algn="ctr" rotWithShape="0">
+              <a:srgbClr val="000000">
+                <a:alpha val="63000"/>
+              </a:srgbClr>
+            </a:outerShdw>
+          </a:effectLst>
+        </a:effectStyle>
+      </a:effectStyleLst>
+      <a:bgFillStyleLst>
+        <a:solidFill>
+          <a:schemeClr val="phClr"/>
+        </a:solidFill>
+        <a:solidFill>
+          <a:schemeClr val="phClr">
+            <a:tint val="95000"/>
+            <a:satMod val="170000"/>
+          </a:schemeClr>
+        </a:solidFill>
+        <a:gradFill rotWithShape="1">
+          <a:gsLst>
+            <a:gs pos="0">
+              <a:schemeClr val="phClr">
+                <a:tint val="93000"/>
+                <a:satMod val="150000"/>
+                <a:shade val="98000"/>
+                <a:lumMod val="102000"/>
+              </a:schemeClr>
+            </a:gs>
+            <a:gs pos="50000">
+              <a:schemeClr val="phClr">
+                <a:tint val="98000"/>
+                <a:satMod val="130000"/>
+                <a:shade val="90000"/>
+                <a:lumMod val="103000"/>
+              </a:schemeClr>
+            </a:gs>
+            <a:gs pos="100000">
+              <a:schemeClr val="phClr">
+                <a:shade val="63000"/>
+                <a:satMod val="120000"/>
+              </a:schemeClr>
+            </a:gs>
+          </a:gsLst>
+          <a:lin ang="5400000" scaled="0"/>
+        </a:gradFill>
+      </a:bgFillStyleLst>
+    </a:fmtScheme>
+  </a:themeElements>
+  <a:objectDefaults/>
+  <a:extraClrSchemeLst/>
+  <a:extLst>
+    <a:ext uri="{05A4C25C-085E-4340-85A3-A5531E510DB2}">
+      <thm15:themeFamily xmlns:thm15="http://schemas.microsoft.com/office/thememl/2012/main" name="Office Theme" id="{62F939B6-93AF-4DB8-9C6B-D6C7DFDC589F}" vid="{4A3C46E8-61CC-4603-A589-7422A47A8E4A}"/>
+    </a:ext>
+  </a:extLst>
+</a:theme>
 </file>